--- a/ppt 16-9/0177.道成了肉身.pptx
+++ b/ppt 16-9/0177.道成了肉身.pptx
@@ -5,7 +5,7 @@
     <p:sldMasterId id="2147483648" r:id="rId1"/>
   </p:sldMasterIdLst>
   <p:sldIdLst>
-    <p:sldId id="2798" r:id="rId2"/>
+    <p:sldId id="2799" r:id="rId2"/>
   </p:sldIdLst>
   <p:sldSz cx="12192000" cy="6858000"/>
   <p:notesSz cx="6858000" cy="9144000"/>
@@ -129,7 +129,7 @@
           <p:cNvPr id="2" name="标题 1">
             <a:extLst>
               <a:ext uri="{FF2B5EF4-FFF2-40B4-BE49-F238E27FC236}">
-                <a16:creationId xmlns:a16="http://schemas.microsoft.com/office/drawing/2014/main" id="{E0A9F5A4-6213-A65E-8CCE-06B3F1E18B9B}"/>
+                <a16:creationId xmlns:a16="http://schemas.microsoft.com/office/drawing/2014/main" id="{7CD5C309-2D52-FBF0-8902-58B3B204E688}"/>
               </a:ext>
             </a:extLst>
           </p:cNvPr>
@@ -166,7 +166,7 @@
           <p:cNvPr id="3" name="副标题 2">
             <a:extLst>
               <a:ext uri="{FF2B5EF4-FFF2-40B4-BE49-F238E27FC236}">
-                <a16:creationId xmlns:a16="http://schemas.microsoft.com/office/drawing/2014/main" id="{F6D54557-CFAF-2AFC-8AA6-902E8068890C}"/>
+                <a16:creationId xmlns:a16="http://schemas.microsoft.com/office/drawing/2014/main" id="{E1F226B4-A4E3-C10C-5DCC-FA510C7CDBD9}"/>
               </a:ext>
             </a:extLst>
           </p:cNvPr>
@@ -236,7 +236,7 @@
           <p:cNvPr id="4" name="日期占位符 3">
             <a:extLst>
               <a:ext uri="{FF2B5EF4-FFF2-40B4-BE49-F238E27FC236}">
-                <a16:creationId xmlns:a16="http://schemas.microsoft.com/office/drawing/2014/main" id="{B47C7E36-C136-D513-F93B-3E1B35A7E16C}"/>
+                <a16:creationId xmlns:a16="http://schemas.microsoft.com/office/drawing/2014/main" id="{80E51D52-B133-AAB5-D932-FC95B5DCC742}"/>
               </a:ext>
             </a:extLst>
           </p:cNvPr>
@@ -252,7 +252,7 @@
           <a:bodyPr/>
           <a:lstStyle/>
           <a:p>
-            <a:fld id="{8A5E93B6-00C6-48F5-9167-DDB0A1857338}" type="datetimeFigureOut">
+            <a:fld id="{7661DD6B-D920-4743-96B7-AF6DD554B10A}" type="datetimeFigureOut">
               <a:rPr lang="zh-CN" altLang="en-US" smtClean="0"/>
               <a:t>2024/3/10</a:t>
             </a:fld>
@@ -265,7 +265,7 @@
           <p:cNvPr id="5" name="页脚占位符 4">
             <a:extLst>
               <a:ext uri="{FF2B5EF4-FFF2-40B4-BE49-F238E27FC236}">
-                <a16:creationId xmlns:a16="http://schemas.microsoft.com/office/drawing/2014/main" id="{EEBD36B3-BA68-A161-165C-D540B80903C9}"/>
+                <a16:creationId xmlns:a16="http://schemas.microsoft.com/office/drawing/2014/main" id="{340A938A-8FAF-CE19-65FA-0F1F58C2E151}"/>
               </a:ext>
             </a:extLst>
           </p:cNvPr>
@@ -290,7 +290,7 @@
           <p:cNvPr id="6" name="灯片编号占位符 5">
             <a:extLst>
               <a:ext uri="{FF2B5EF4-FFF2-40B4-BE49-F238E27FC236}">
-                <a16:creationId xmlns:a16="http://schemas.microsoft.com/office/drawing/2014/main" id="{24B1C53A-56C4-641E-0518-1862BA8B49FC}"/>
+                <a16:creationId xmlns:a16="http://schemas.microsoft.com/office/drawing/2014/main" id="{7A89D3D1-D1C1-75FD-3576-C63636C29A58}"/>
               </a:ext>
             </a:extLst>
           </p:cNvPr>
@@ -306,7 +306,7 @@
           <a:bodyPr/>
           <a:lstStyle/>
           <a:p>
-            <a:fld id="{A4AFB7F2-FFF4-463B-99CE-DF312FA1BE9D}" type="slidenum">
+            <a:fld id="{6F6CFA12-4023-4A2A-A938-05E57919F4E9}" type="slidenum">
               <a:rPr lang="zh-CN" altLang="en-US" smtClean="0"/>
               <a:t>‹#›</a:t>
             </a:fld>
@@ -317,7 +317,7 @@
     </p:spTree>
     <p:extLst>
       <p:ext uri="{BB962C8B-B14F-4D97-AF65-F5344CB8AC3E}">
-        <p14:creationId xmlns:p14="http://schemas.microsoft.com/office/powerpoint/2010/main" val="2918762221"/>
+        <p14:creationId xmlns:p14="http://schemas.microsoft.com/office/powerpoint/2010/main" val="2828390724"/>
       </p:ext>
     </p:extLst>
   </p:cSld>
@@ -349,7 +349,7 @@
           <p:cNvPr id="2" name="标题 1">
             <a:extLst>
               <a:ext uri="{FF2B5EF4-FFF2-40B4-BE49-F238E27FC236}">
-                <a16:creationId xmlns:a16="http://schemas.microsoft.com/office/drawing/2014/main" id="{8AA8C679-97F7-BDDC-A6F9-5B56D6F1C611}"/>
+                <a16:creationId xmlns:a16="http://schemas.microsoft.com/office/drawing/2014/main" id="{50D6ECD8-FE3D-AA44-17D9-64B8FEC66AE5}"/>
               </a:ext>
             </a:extLst>
           </p:cNvPr>
@@ -377,7 +377,7 @@
           <p:cNvPr id="3" name="竖排文字占位符 2">
             <a:extLst>
               <a:ext uri="{FF2B5EF4-FFF2-40B4-BE49-F238E27FC236}">
-                <a16:creationId xmlns:a16="http://schemas.microsoft.com/office/drawing/2014/main" id="{FD4BF26A-70B4-1547-F0B1-4FFC49BCA612}"/>
+                <a16:creationId xmlns:a16="http://schemas.microsoft.com/office/drawing/2014/main" id="{9DB3611F-61E6-5C9B-2747-8585E1C3EC2F}"/>
               </a:ext>
             </a:extLst>
           </p:cNvPr>
@@ -434,7 +434,7 @@
           <p:cNvPr id="4" name="日期占位符 3">
             <a:extLst>
               <a:ext uri="{FF2B5EF4-FFF2-40B4-BE49-F238E27FC236}">
-                <a16:creationId xmlns:a16="http://schemas.microsoft.com/office/drawing/2014/main" id="{B1A4B8A7-CB7B-0D94-3339-007DF7FB5FAD}"/>
+                <a16:creationId xmlns:a16="http://schemas.microsoft.com/office/drawing/2014/main" id="{7DC28B49-48BA-C314-E1B5-619F9356B0B0}"/>
               </a:ext>
             </a:extLst>
           </p:cNvPr>
@@ -450,7 +450,7 @@
           <a:bodyPr/>
           <a:lstStyle/>
           <a:p>
-            <a:fld id="{8A5E93B6-00C6-48F5-9167-DDB0A1857338}" type="datetimeFigureOut">
+            <a:fld id="{7661DD6B-D920-4743-96B7-AF6DD554B10A}" type="datetimeFigureOut">
               <a:rPr lang="zh-CN" altLang="en-US" smtClean="0"/>
               <a:t>2024/3/10</a:t>
             </a:fld>
@@ -463,7 +463,7 @@
           <p:cNvPr id="5" name="页脚占位符 4">
             <a:extLst>
               <a:ext uri="{FF2B5EF4-FFF2-40B4-BE49-F238E27FC236}">
-                <a16:creationId xmlns:a16="http://schemas.microsoft.com/office/drawing/2014/main" id="{FCA23100-3102-C10D-BCB7-B4350826B3E3}"/>
+                <a16:creationId xmlns:a16="http://schemas.microsoft.com/office/drawing/2014/main" id="{3E718624-0C64-8C0E-74FD-890AF90A7FEC}"/>
               </a:ext>
             </a:extLst>
           </p:cNvPr>
@@ -488,7 +488,7 @@
           <p:cNvPr id="6" name="灯片编号占位符 5">
             <a:extLst>
               <a:ext uri="{FF2B5EF4-FFF2-40B4-BE49-F238E27FC236}">
-                <a16:creationId xmlns:a16="http://schemas.microsoft.com/office/drawing/2014/main" id="{AAF4C52A-6DE1-2316-7C91-89E680A93F4F}"/>
+                <a16:creationId xmlns:a16="http://schemas.microsoft.com/office/drawing/2014/main" id="{2D7DD3B0-F83D-7E7F-1B77-EC752A70BA3C}"/>
               </a:ext>
             </a:extLst>
           </p:cNvPr>
@@ -504,7 +504,7 @@
           <a:bodyPr/>
           <a:lstStyle/>
           <a:p>
-            <a:fld id="{A4AFB7F2-FFF4-463B-99CE-DF312FA1BE9D}" type="slidenum">
+            <a:fld id="{6F6CFA12-4023-4A2A-A938-05E57919F4E9}" type="slidenum">
               <a:rPr lang="zh-CN" altLang="en-US" smtClean="0"/>
               <a:t>‹#›</a:t>
             </a:fld>
@@ -515,7 +515,7 @@
     </p:spTree>
     <p:extLst>
       <p:ext uri="{BB962C8B-B14F-4D97-AF65-F5344CB8AC3E}">
-        <p14:creationId xmlns:p14="http://schemas.microsoft.com/office/powerpoint/2010/main" val="2529474014"/>
+        <p14:creationId xmlns:p14="http://schemas.microsoft.com/office/powerpoint/2010/main" val="1988889812"/>
       </p:ext>
     </p:extLst>
   </p:cSld>
@@ -547,7 +547,7 @@
           <p:cNvPr id="2" name="竖排标题 1">
             <a:extLst>
               <a:ext uri="{FF2B5EF4-FFF2-40B4-BE49-F238E27FC236}">
-                <a16:creationId xmlns:a16="http://schemas.microsoft.com/office/drawing/2014/main" id="{BA7AE030-B81F-D1CE-90C5-B3C5F4D34A10}"/>
+                <a16:creationId xmlns:a16="http://schemas.microsoft.com/office/drawing/2014/main" id="{77966BD8-974C-849D-8CDE-423145ADE05A}"/>
               </a:ext>
             </a:extLst>
           </p:cNvPr>
@@ -580,7 +580,7 @@
           <p:cNvPr id="3" name="竖排文字占位符 2">
             <a:extLst>
               <a:ext uri="{FF2B5EF4-FFF2-40B4-BE49-F238E27FC236}">
-                <a16:creationId xmlns:a16="http://schemas.microsoft.com/office/drawing/2014/main" id="{93B6AFA4-9784-7880-767A-54D07707E8A3}"/>
+                <a16:creationId xmlns:a16="http://schemas.microsoft.com/office/drawing/2014/main" id="{710581B7-74D4-8839-9A79-D38D3CBAFF81}"/>
               </a:ext>
             </a:extLst>
           </p:cNvPr>
@@ -642,7 +642,7 @@
           <p:cNvPr id="4" name="日期占位符 3">
             <a:extLst>
               <a:ext uri="{FF2B5EF4-FFF2-40B4-BE49-F238E27FC236}">
-                <a16:creationId xmlns:a16="http://schemas.microsoft.com/office/drawing/2014/main" id="{AB65912C-C1F3-5209-37B0-2E8B234421D5}"/>
+                <a16:creationId xmlns:a16="http://schemas.microsoft.com/office/drawing/2014/main" id="{4F37BB40-4EDE-7F74-AAFF-49886158E7E5}"/>
               </a:ext>
             </a:extLst>
           </p:cNvPr>
@@ -658,7 +658,7 @@
           <a:bodyPr/>
           <a:lstStyle/>
           <a:p>
-            <a:fld id="{8A5E93B6-00C6-48F5-9167-DDB0A1857338}" type="datetimeFigureOut">
+            <a:fld id="{7661DD6B-D920-4743-96B7-AF6DD554B10A}" type="datetimeFigureOut">
               <a:rPr lang="zh-CN" altLang="en-US" smtClean="0"/>
               <a:t>2024/3/10</a:t>
             </a:fld>
@@ -671,7 +671,7 @@
           <p:cNvPr id="5" name="页脚占位符 4">
             <a:extLst>
               <a:ext uri="{FF2B5EF4-FFF2-40B4-BE49-F238E27FC236}">
-                <a16:creationId xmlns:a16="http://schemas.microsoft.com/office/drawing/2014/main" id="{CC93B56E-7E07-4CF1-765A-E30005B9E274}"/>
+                <a16:creationId xmlns:a16="http://schemas.microsoft.com/office/drawing/2014/main" id="{D27C1A92-2AA3-1360-7B21-F2F695D9D9FA}"/>
               </a:ext>
             </a:extLst>
           </p:cNvPr>
@@ -696,7 +696,7 @@
           <p:cNvPr id="6" name="灯片编号占位符 5">
             <a:extLst>
               <a:ext uri="{FF2B5EF4-FFF2-40B4-BE49-F238E27FC236}">
-                <a16:creationId xmlns:a16="http://schemas.microsoft.com/office/drawing/2014/main" id="{11D48787-080D-054F-3852-142368D18AA9}"/>
+                <a16:creationId xmlns:a16="http://schemas.microsoft.com/office/drawing/2014/main" id="{5538BB40-8257-E9E0-67E8-FF4FC7CECD2D}"/>
               </a:ext>
             </a:extLst>
           </p:cNvPr>
@@ -712,7 +712,7 @@
           <a:bodyPr/>
           <a:lstStyle/>
           <a:p>
-            <a:fld id="{A4AFB7F2-FFF4-463B-99CE-DF312FA1BE9D}" type="slidenum">
+            <a:fld id="{6F6CFA12-4023-4A2A-A938-05E57919F4E9}" type="slidenum">
               <a:rPr lang="zh-CN" altLang="en-US" smtClean="0"/>
               <a:t>‹#›</a:t>
             </a:fld>
@@ -723,7 +723,7 @@
     </p:spTree>
     <p:extLst>
       <p:ext uri="{BB962C8B-B14F-4D97-AF65-F5344CB8AC3E}">
-        <p14:creationId xmlns:p14="http://schemas.microsoft.com/office/powerpoint/2010/main" val="1712252988"/>
+        <p14:creationId xmlns:p14="http://schemas.microsoft.com/office/powerpoint/2010/main" val="2437547853"/>
       </p:ext>
     </p:extLst>
   </p:cSld>
@@ -755,7 +755,7 @@
           <p:cNvPr id="2" name="标题 1">
             <a:extLst>
               <a:ext uri="{FF2B5EF4-FFF2-40B4-BE49-F238E27FC236}">
-                <a16:creationId xmlns:a16="http://schemas.microsoft.com/office/drawing/2014/main" id="{1BFB8791-4853-3628-BB82-7950B73165C0}"/>
+                <a16:creationId xmlns:a16="http://schemas.microsoft.com/office/drawing/2014/main" id="{F2060FBA-588B-99D1-E90F-B53E25C0A743}"/>
               </a:ext>
             </a:extLst>
           </p:cNvPr>
@@ -783,7 +783,7 @@
           <p:cNvPr id="3" name="内容占位符 2">
             <a:extLst>
               <a:ext uri="{FF2B5EF4-FFF2-40B4-BE49-F238E27FC236}">
-                <a16:creationId xmlns:a16="http://schemas.microsoft.com/office/drawing/2014/main" id="{AD8F8D0E-5E44-F067-89D1-FC3201427814}"/>
+                <a16:creationId xmlns:a16="http://schemas.microsoft.com/office/drawing/2014/main" id="{183BAFCA-931C-C0DB-2B06-AB9E1D69D4EF}"/>
               </a:ext>
             </a:extLst>
           </p:cNvPr>
@@ -840,7 +840,7 @@
           <p:cNvPr id="4" name="日期占位符 3">
             <a:extLst>
               <a:ext uri="{FF2B5EF4-FFF2-40B4-BE49-F238E27FC236}">
-                <a16:creationId xmlns:a16="http://schemas.microsoft.com/office/drawing/2014/main" id="{639E9E91-6894-D9EE-2DFA-BE0542489D14}"/>
+                <a16:creationId xmlns:a16="http://schemas.microsoft.com/office/drawing/2014/main" id="{2ACA6788-F065-DB5D-EA98-14152A253A22}"/>
               </a:ext>
             </a:extLst>
           </p:cNvPr>
@@ -856,7 +856,7 @@
           <a:bodyPr/>
           <a:lstStyle/>
           <a:p>
-            <a:fld id="{8A5E93B6-00C6-48F5-9167-DDB0A1857338}" type="datetimeFigureOut">
+            <a:fld id="{7661DD6B-D920-4743-96B7-AF6DD554B10A}" type="datetimeFigureOut">
               <a:rPr lang="zh-CN" altLang="en-US" smtClean="0"/>
               <a:t>2024/3/10</a:t>
             </a:fld>
@@ -869,7 +869,7 @@
           <p:cNvPr id="5" name="页脚占位符 4">
             <a:extLst>
               <a:ext uri="{FF2B5EF4-FFF2-40B4-BE49-F238E27FC236}">
-                <a16:creationId xmlns:a16="http://schemas.microsoft.com/office/drawing/2014/main" id="{A672F7D7-8E42-88BF-740A-06CB1075230E}"/>
+                <a16:creationId xmlns:a16="http://schemas.microsoft.com/office/drawing/2014/main" id="{F226485A-CB74-90CE-1043-E361D17B2F6D}"/>
               </a:ext>
             </a:extLst>
           </p:cNvPr>
@@ -894,7 +894,7 @@
           <p:cNvPr id="6" name="灯片编号占位符 5">
             <a:extLst>
               <a:ext uri="{FF2B5EF4-FFF2-40B4-BE49-F238E27FC236}">
-                <a16:creationId xmlns:a16="http://schemas.microsoft.com/office/drawing/2014/main" id="{D3DD0A8C-E57C-BE70-B4C4-857A215A8BD7}"/>
+                <a16:creationId xmlns:a16="http://schemas.microsoft.com/office/drawing/2014/main" id="{784C98F8-721B-94F8-590B-4BFA9AED89B7}"/>
               </a:ext>
             </a:extLst>
           </p:cNvPr>
@@ -910,7 +910,7 @@
           <a:bodyPr/>
           <a:lstStyle/>
           <a:p>
-            <a:fld id="{A4AFB7F2-FFF4-463B-99CE-DF312FA1BE9D}" type="slidenum">
+            <a:fld id="{6F6CFA12-4023-4A2A-A938-05E57919F4E9}" type="slidenum">
               <a:rPr lang="zh-CN" altLang="en-US" smtClean="0"/>
               <a:t>‹#›</a:t>
             </a:fld>
@@ -921,7 +921,7 @@
     </p:spTree>
     <p:extLst>
       <p:ext uri="{BB962C8B-B14F-4D97-AF65-F5344CB8AC3E}">
-        <p14:creationId xmlns:p14="http://schemas.microsoft.com/office/powerpoint/2010/main" val="3324294596"/>
+        <p14:creationId xmlns:p14="http://schemas.microsoft.com/office/powerpoint/2010/main" val="1858233179"/>
       </p:ext>
     </p:extLst>
   </p:cSld>
@@ -953,7 +953,7 @@
           <p:cNvPr id="2" name="标题 1">
             <a:extLst>
               <a:ext uri="{FF2B5EF4-FFF2-40B4-BE49-F238E27FC236}">
-                <a16:creationId xmlns:a16="http://schemas.microsoft.com/office/drawing/2014/main" id="{47CCCDCE-9D8C-F7B6-F5E1-DF93BFA6792B}"/>
+                <a16:creationId xmlns:a16="http://schemas.microsoft.com/office/drawing/2014/main" id="{4FC376F3-E148-83AE-A7E6-03D1891DC42A}"/>
               </a:ext>
             </a:extLst>
           </p:cNvPr>
@@ -990,7 +990,7 @@
           <p:cNvPr id="3" name="文本占位符 2">
             <a:extLst>
               <a:ext uri="{FF2B5EF4-FFF2-40B4-BE49-F238E27FC236}">
-                <a16:creationId xmlns:a16="http://schemas.microsoft.com/office/drawing/2014/main" id="{E9708100-0E7B-44CE-CCA2-138D9B36907C}"/>
+                <a16:creationId xmlns:a16="http://schemas.microsoft.com/office/drawing/2014/main" id="{830C9B39-6D81-ADBD-9332-482439117531}"/>
               </a:ext>
             </a:extLst>
           </p:cNvPr>
@@ -1115,7 +1115,7 @@
           <p:cNvPr id="4" name="日期占位符 3">
             <a:extLst>
               <a:ext uri="{FF2B5EF4-FFF2-40B4-BE49-F238E27FC236}">
-                <a16:creationId xmlns:a16="http://schemas.microsoft.com/office/drawing/2014/main" id="{28DFD351-F13B-A9BF-C1DC-6ABD6B3CEA01}"/>
+                <a16:creationId xmlns:a16="http://schemas.microsoft.com/office/drawing/2014/main" id="{ABA68D6D-7523-C6F2-ECCC-B85D25B98604}"/>
               </a:ext>
             </a:extLst>
           </p:cNvPr>
@@ -1131,7 +1131,7 @@
           <a:bodyPr/>
           <a:lstStyle/>
           <a:p>
-            <a:fld id="{8A5E93B6-00C6-48F5-9167-DDB0A1857338}" type="datetimeFigureOut">
+            <a:fld id="{7661DD6B-D920-4743-96B7-AF6DD554B10A}" type="datetimeFigureOut">
               <a:rPr lang="zh-CN" altLang="en-US" smtClean="0"/>
               <a:t>2024/3/10</a:t>
             </a:fld>
@@ -1144,7 +1144,7 @@
           <p:cNvPr id="5" name="页脚占位符 4">
             <a:extLst>
               <a:ext uri="{FF2B5EF4-FFF2-40B4-BE49-F238E27FC236}">
-                <a16:creationId xmlns:a16="http://schemas.microsoft.com/office/drawing/2014/main" id="{6E12DBBF-5BE9-6C17-73BB-4F73DE4B1781}"/>
+                <a16:creationId xmlns:a16="http://schemas.microsoft.com/office/drawing/2014/main" id="{9A5B1566-BEC9-71E3-4E12-EE6222C164B4}"/>
               </a:ext>
             </a:extLst>
           </p:cNvPr>
@@ -1169,7 +1169,7 @@
           <p:cNvPr id="6" name="灯片编号占位符 5">
             <a:extLst>
               <a:ext uri="{FF2B5EF4-FFF2-40B4-BE49-F238E27FC236}">
-                <a16:creationId xmlns:a16="http://schemas.microsoft.com/office/drawing/2014/main" id="{8E951DE7-2C71-4999-E15B-05642012E50B}"/>
+                <a16:creationId xmlns:a16="http://schemas.microsoft.com/office/drawing/2014/main" id="{59439F04-6F11-D9BD-128B-DF393CA89432}"/>
               </a:ext>
             </a:extLst>
           </p:cNvPr>
@@ -1185,7 +1185,7 @@
           <a:bodyPr/>
           <a:lstStyle/>
           <a:p>
-            <a:fld id="{A4AFB7F2-FFF4-463B-99CE-DF312FA1BE9D}" type="slidenum">
+            <a:fld id="{6F6CFA12-4023-4A2A-A938-05E57919F4E9}" type="slidenum">
               <a:rPr lang="zh-CN" altLang="en-US" smtClean="0"/>
               <a:t>‹#›</a:t>
             </a:fld>
@@ -1196,7 +1196,7 @@
     </p:spTree>
     <p:extLst>
       <p:ext uri="{BB962C8B-B14F-4D97-AF65-F5344CB8AC3E}">
-        <p14:creationId xmlns:p14="http://schemas.microsoft.com/office/powerpoint/2010/main" val="1916322772"/>
+        <p14:creationId xmlns:p14="http://schemas.microsoft.com/office/powerpoint/2010/main" val="2766642380"/>
       </p:ext>
     </p:extLst>
   </p:cSld>
@@ -1228,7 +1228,7 @@
           <p:cNvPr id="2" name="标题 1">
             <a:extLst>
               <a:ext uri="{FF2B5EF4-FFF2-40B4-BE49-F238E27FC236}">
-                <a16:creationId xmlns:a16="http://schemas.microsoft.com/office/drawing/2014/main" id="{1078CC27-EA1C-0975-771C-7FF3F530AC54}"/>
+                <a16:creationId xmlns:a16="http://schemas.microsoft.com/office/drawing/2014/main" id="{F1ABEA1D-1C42-0EE4-7106-714AB15C88EF}"/>
               </a:ext>
             </a:extLst>
           </p:cNvPr>
@@ -1256,7 +1256,7 @@
           <p:cNvPr id="3" name="内容占位符 2">
             <a:extLst>
               <a:ext uri="{FF2B5EF4-FFF2-40B4-BE49-F238E27FC236}">
-                <a16:creationId xmlns:a16="http://schemas.microsoft.com/office/drawing/2014/main" id="{73E67887-1A7F-2D1D-2B8A-F1C215EAF4BE}"/>
+                <a16:creationId xmlns:a16="http://schemas.microsoft.com/office/drawing/2014/main" id="{9B2938A7-E55F-D8A0-60AF-A2ABAC8B1ABA}"/>
               </a:ext>
             </a:extLst>
           </p:cNvPr>
@@ -1318,7 +1318,7 @@
           <p:cNvPr id="4" name="内容占位符 3">
             <a:extLst>
               <a:ext uri="{FF2B5EF4-FFF2-40B4-BE49-F238E27FC236}">
-                <a16:creationId xmlns:a16="http://schemas.microsoft.com/office/drawing/2014/main" id="{E432FE7E-EF1A-A0C9-2094-1C796C0739BB}"/>
+                <a16:creationId xmlns:a16="http://schemas.microsoft.com/office/drawing/2014/main" id="{410665E0-3E64-C9E2-D4A5-8BE7870DC22D}"/>
               </a:ext>
             </a:extLst>
           </p:cNvPr>
@@ -1380,7 +1380,7 @@
           <p:cNvPr id="5" name="日期占位符 4">
             <a:extLst>
               <a:ext uri="{FF2B5EF4-FFF2-40B4-BE49-F238E27FC236}">
-                <a16:creationId xmlns:a16="http://schemas.microsoft.com/office/drawing/2014/main" id="{3ECEDFA4-4984-B77C-F9F7-4BF10B86FFB3}"/>
+                <a16:creationId xmlns:a16="http://schemas.microsoft.com/office/drawing/2014/main" id="{5AA083C2-AC05-0758-C5F0-35CFE1F90881}"/>
               </a:ext>
             </a:extLst>
           </p:cNvPr>
@@ -1396,7 +1396,7 @@
           <a:bodyPr/>
           <a:lstStyle/>
           <a:p>
-            <a:fld id="{8A5E93B6-00C6-48F5-9167-DDB0A1857338}" type="datetimeFigureOut">
+            <a:fld id="{7661DD6B-D920-4743-96B7-AF6DD554B10A}" type="datetimeFigureOut">
               <a:rPr lang="zh-CN" altLang="en-US" smtClean="0"/>
               <a:t>2024/3/10</a:t>
             </a:fld>
@@ -1409,7 +1409,7 @@
           <p:cNvPr id="6" name="页脚占位符 5">
             <a:extLst>
               <a:ext uri="{FF2B5EF4-FFF2-40B4-BE49-F238E27FC236}">
-                <a16:creationId xmlns:a16="http://schemas.microsoft.com/office/drawing/2014/main" id="{CC26E9AC-4399-84DE-9900-AFC9CB13BDD8}"/>
+                <a16:creationId xmlns:a16="http://schemas.microsoft.com/office/drawing/2014/main" id="{3715A756-167E-5082-80C5-ACF0A911A9DC}"/>
               </a:ext>
             </a:extLst>
           </p:cNvPr>
@@ -1434,7 +1434,7 @@
           <p:cNvPr id="7" name="灯片编号占位符 6">
             <a:extLst>
               <a:ext uri="{FF2B5EF4-FFF2-40B4-BE49-F238E27FC236}">
-                <a16:creationId xmlns:a16="http://schemas.microsoft.com/office/drawing/2014/main" id="{A4D49D20-305A-4F22-88DF-CD6C7E06F291}"/>
+                <a16:creationId xmlns:a16="http://schemas.microsoft.com/office/drawing/2014/main" id="{807CB4D8-8545-ADDD-F9A4-447BD476A723}"/>
               </a:ext>
             </a:extLst>
           </p:cNvPr>
@@ -1450,7 +1450,7 @@
           <a:bodyPr/>
           <a:lstStyle/>
           <a:p>
-            <a:fld id="{A4AFB7F2-FFF4-463B-99CE-DF312FA1BE9D}" type="slidenum">
+            <a:fld id="{6F6CFA12-4023-4A2A-A938-05E57919F4E9}" type="slidenum">
               <a:rPr lang="zh-CN" altLang="en-US" smtClean="0"/>
               <a:t>‹#›</a:t>
             </a:fld>
@@ -1461,7 +1461,7 @@
     </p:spTree>
     <p:extLst>
       <p:ext uri="{BB962C8B-B14F-4D97-AF65-F5344CB8AC3E}">
-        <p14:creationId xmlns:p14="http://schemas.microsoft.com/office/powerpoint/2010/main" val="1705015300"/>
+        <p14:creationId xmlns:p14="http://schemas.microsoft.com/office/powerpoint/2010/main" val="911221697"/>
       </p:ext>
     </p:extLst>
   </p:cSld>
@@ -1493,7 +1493,7 @@
           <p:cNvPr id="2" name="标题 1">
             <a:extLst>
               <a:ext uri="{FF2B5EF4-FFF2-40B4-BE49-F238E27FC236}">
-                <a16:creationId xmlns:a16="http://schemas.microsoft.com/office/drawing/2014/main" id="{8F1FE1A8-702E-AC8A-92FF-2AC4C5B2DD00}"/>
+                <a16:creationId xmlns:a16="http://schemas.microsoft.com/office/drawing/2014/main" id="{7E8841DE-511D-8D18-6EC4-9679C83771BB}"/>
               </a:ext>
             </a:extLst>
           </p:cNvPr>
@@ -1526,7 +1526,7 @@
           <p:cNvPr id="3" name="文本占位符 2">
             <a:extLst>
               <a:ext uri="{FF2B5EF4-FFF2-40B4-BE49-F238E27FC236}">
-                <a16:creationId xmlns:a16="http://schemas.microsoft.com/office/drawing/2014/main" id="{35714CF1-7D00-FF98-9729-57F0CAA55EEE}"/>
+                <a16:creationId xmlns:a16="http://schemas.microsoft.com/office/drawing/2014/main" id="{B1BB1D45-81FC-29BE-D4A5-3AEE777D3411}"/>
               </a:ext>
             </a:extLst>
           </p:cNvPr>
@@ -1597,7 +1597,7 @@
           <p:cNvPr id="4" name="内容占位符 3">
             <a:extLst>
               <a:ext uri="{FF2B5EF4-FFF2-40B4-BE49-F238E27FC236}">
-                <a16:creationId xmlns:a16="http://schemas.microsoft.com/office/drawing/2014/main" id="{F8B9107E-E68C-A92C-EDEC-5A3454952176}"/>
+                <a16:creationId xmlns:a16="http://schemas.microsoft.com/office/drawing/2014/main" id="{434405B7-F20D-73F9-2627-E49955E3A778}"/>
               </a:ext>
             </a:extLst>
           </p:cNvPr>
@@ -1659,7 +1659,7 @@
           <p:cNvPr id="5" name="文本占位符 4">
             <a:extLst>
               <a:ext uri="{FF2B5EF4-FFF2-40B4-BE49-F238E27FC236}">
-                <a16:creationId xmlns:a16="http://schemas.microsoft.com/office/drawing/2014/main" id="{165D2119-1DDC-90B6-0CE1-9FF001F6A1C3}"/>
+                <a16:creationId xmlns:a16="http://schemas.microsoft.com/office/drawing/2014/main" id="{6F1604B9-654F-52D1-3742-3C89EF40BE82}"/>
               </a:ext>
             </a:extLst>
           </p:cNvPr>
@@ -1730,7 +1730,7 @@
           <p:cNvPr id="6" name="内容占位符 5">
             <a:extLst>
               <a:ext uri="{FF2B5EF4-FFF2-40B4-BE49-F238E27FC236}">
-                <a16:creationId xmlns:a16="http://schemas.microsoft.com/office/drawing/2014/main" id="{E9096BC6-7446-EEBF-7FE1-AFA8BACDD783}"/>
+                <a16:creationId xmlns:a16="http://schemas.microsoft.com/office/drawing/2014/main" id="{03BD1D3A-E67B-462D-8723-63A64E8BEF6B}"/>
               </a:ext>
             </a:extLst>
           </p:cNvPr>
@@ -1792,7 +1792,7 @@
           <p:cNvPr id="7" name="日期占位符 6">
             <a:extLst>
               <a:ext uri="{FF2B5EF4-FFF2-40B4-BE49-F238E27FC236}">
-                <a16:creationId xmlns:a16="http://schemas.microsoft.com/office/drawing/2014/main" id="{504F477E-0E67-64A3-BE93-18CF9E299059}"/>
+                <a16:creationId xmlns:a16="http://schemas.microsoft.com/office/drawing/2014/main" id="{4A51040F-1EC2-27C8-10F8-87FDB51BEC1B}"/>
               </a:ext>
             </a:extLst>
           </p:cNvPr>
@@ -1808,7 +1808,7 @@
           <a:bodyPr/>
           <a:lstStyle/>
           <a:p>
-            <a:fld id="{8A5E93B6-00C6-48F5-9167-DDB0A1857338}" type="datetimeFigureOut">
+            <a:fld id="{7661DD6B-D920-4743-96B7-AF6DD554B10A}" type="datetimeFigureOut">
               <a:rPr lang="zh-CN" altLang="en-US" smtClean="0"/>
               <a:t>2024/3/10</a:t>
             </a:fld>
@@ -1821,7 +1821,7 @@
           <p:cNvPr id="8" name="页脚占位符 7">
             <a:extLst>
               <a:ext uri="{FF2B5EF4-FFF2-40B4-BE49-F238E27FC236}">
-                <a16:creationId xmlns:a16="http://schemas.microsoft.com/office/drawing/2014/main" id="{144E71E1-5772-6BA4-C7F3-D19A9A32BCAD}"/>
+                <a16:creationId xmlns:a16="http://schemas.microsoft.com/office/drawing/2014/main" id="{BC3C298B-5259-2D50-4ED6-F29F7F251AB1}"/>
               </a:ext>
             </a:extLst>
           </p:cNvPr>
@@ -1846,7 +1846,7 @@
           <p:cNvPr id="9" name="灯片编号占位符 8">
             <a:extLst>
               <a:ext uri="{FF2B5EF4-FFF2-40B4-BE49-F238E27FC236}">
-                <a16:creationId xmlns:a16="http://schemas.microsoft.com/office/drawing/2014/main" id="{E4AE71B2-AEC6-A5F9-5326-57430238FA19}"/>
+                <a16:creationId xmlns:a16="http://schemas.microsoft.com/office/drawing/2014/main" id="{7A28FD72-C1CE-6E06-F053-38DA4FD5CD00}"/>
               </a:ext>
             </a:extLst>
           </p:cNvPr>
@@ -1862,7 +1862,7 @@
           <a:bodyPr/>
           <a:lstStyle/>
           <a:p>
-            <a:fld id="{A4AFB7F2-FFF4-463B-99CE-DF312FA1BE9D}" type="slidenum">
+            <a:fld id="{6F6CFA12-4023-4A2A-A938-05E57919F4E9}" type="slidenum">
               <a:rPr lang="zh-CN" altLang="en-US" smtClean="0"/>
               <a:t>‹#›</a:t>
             </a:fld>
@@ -1873,7 +1873,7 @@
     </p:spTree>
     <p:extLst>
       <p:ext uri="{BB962C8B-B14F-4D97-AF65-F5344CB8AC3E}">
-        <p14:creationId xmlns:p14="http://schemas.microsoft.com/office/powerpoint/2010/main" val="998428598"/>
+        <p14:creationId xmlns:p14="http://schemas.microsoft.com/office/powerpoint/2010/main" val="672356449"/>
       </p:ext>
     </p:extLst>
   </p:cSld>
@@ -1905,7 +1905,7 @@
           <p:cNvPr id="2" name="标题 1">
             <a:extLst>
               <a:ext uri="{FF2B5EF4-FFF2-40B4-BE49-F238E27FC236}">
-                <a16:creationId xmlns:a16="http://schemas.microsoft.com/office/drawing/2014/main" id="{4D1FB2BE-AEE2-DAEF-B08B-190D59D30970}"/>
+                <a16:creationId xmlns:a16="http://schemas.microsoft.com/office/drawing/2014/main" id="{0E930D5C-8ED7-B1A5-0FF4-26641D959CBF}"/>
               </a:ext>
             </a:extLst>
           </p:cNvPr>
@@ -1933,7 +1933,7 @@
           <p:cNvPr id="3" name="日期占位符 2">
             <a:extLst>
               <a:ext uri="{FF2B5EF4-FFF2-40B4-BE49-F238E27FC236}">
-                <a16:creationId xmlns:a16="http://schemas.microsoft.com/office/drawing/2014/main" id="{1AC99A65-409A-EB4E-049D-E089D1CF0D9A}"/>
+                <a16:creationId xmlns:a16="http://schemas.microsoft.com/office/drawing/2014/main" id="{303F418C-5DEC-E36D-66BE-2ACD2645DBF9}"/>
               </a:ext>
             </a:extLst>
           </p:cNvPr>
@@ -1949,7 +1949,7 @@
           <a:bodyPr/>
           <a:lstStyle/>
           <a:p>
-            <a:fld id="{8A5E93B6-00C6-48F5-9167-DDB0A1857338}" type="datetimeFigureOut">
+            <a:fld id="{7661DD6B-D920-4743-96B7-AF6DD554B10A}" type="datetimeFigureOut">
               <a:rPr lang="zh-CN" altLang="en-US" smtClean="0"/>
               <a:t>2024/3/10</a:t>
             </a:fld>
@@ -1962,7 +1962,7 @@
           <p:cNvPr id="4" name="页脚占位符 3">
             <a:extLst>
               <a:ext uri="{FF2B5EF4-FFF2-40B4-BE49-F238E27FC236}">
-                <a16:creationId xmlns:a16="http://schemas.microsoft.com/office/drawing/2014/main" id="{C9EE63A8-01B0-9E93-98FC-0EFA8761CB92}"/>
+                <a16:creationId xmlns:a16="http://schemas.microsoft.com/office/drawing/2014/main" id="{5B28A6B5-FAD1-AA69-BC9B-8D457B334D22}"/>
               </a:ext>
             </a:extLst>
           </p:cNvPr>
@@ -1987,7 +1987,7 @@
           <p:cNvPr id="5" name="灯片编号占位符 4">
             <a:extLst>
               <a:ext uri="{FF2B5EF4-FFF2-40B4-BE49-F238E27FC236}">
-                <a16:creationId xmlns:a16="http://schemas.microsoft.com/office/drawing/2014/main" id="{114B4F36-C6A1-CD20-A7AB-EB8C6B2FADA0}"/>
+                <a16:creationId xmlns:a16="http://schemas.microsoft.com/office/drawing/2014/main" id="{2CAEE47C-7967-3D00-6D57-1B29236E4CD2}"/>
               </a:ext>
             </a:extLst>
           </p:cNvPr>
@@ -2003,7 +2003,7 @@
           <a:bodyPr/>
           <a:lstStyle/>
           <a:p>
-            <a:fld id="{A4AFB7F2-FFF4-463B-99CE-DF312FA1BE9D}" type="slidenum">
+            <a:fld id="{6F6CFA12-4023-4A2A-A938-05E57919F4E9}" type="slidenum">
               <a:rPr lang="zh-CN" altLang="en-US" smtClean="0"/>
               <a:t>‹#›</a:t>
             </a:fld>
@@ -2014,7 +2014,7 @@
     </p:spTree>
     <p:extLst>
       <p:ext uri="{BB962C8B-B14F-4D97-AF65-F5344CB8AC3E}">
-        <p14:creationId xmlns:p14="http://schemas.microsoft.com/office/powerpoint/2010/main" val="2487118656"/>
+        <p14:creationId xmlns:p14="http://schemas.microsoft.com/office/powerpoint/2010/main" val="733317504"/>
       </p:ext>
     </p:extLst>
   </p:cSld>
@@ -2046,7 +2046,7 @@
           <p:cNvPr id="2" name="日期占位符 1">
             <a:extLst>
               <a:ext uri="{FF2B5EF4-FFF2-40B4-BE49-F238E27FC236}">
-                <a16:creationId xmlns:a16="http://schemas.microsoft.com/office/drawing/2014/main" id="{609B3224-C432-CB04-565B-623945ACC8FD}"/>
+                <a16:creationId xmlns:a16="http://schemas.microsoft.com/office/drawing/2014/main" id="{7BAEC8E0-C70C-48F3-D018-7E61FCEC4158}"/>
               </a:ext>
             </a:extLst>
           </p:cNvPr>
@@ -2062,7 +2062,7 @@
           <a:bodyPr/>
           <a:lstStyle/>
           <a:p>
-            <a:fld id="{8A5E93B6-00C6-48F5-9167-DDB0A1857338}" type="datetimeFigureOut">
+            <a:fld id="{7661DD6B-D920-4743-96B7-AF6DD554B10A}" type="datetimeFigureOut">
               <a:rPr lang="zh-CN" altLang="en-US" smtClean="0"/>
               <a:t>2024/3/10</a:t>
             </a:fld>
@@ -2075,7 +2075,7 @@
           <p:cNvPr id="3" name="页脚占位符 2">
             <a:extLst>
               <a:ext uri="{FF2B5EF4-FFF2-40B4-BE49-F238E27FC236}">
-                <a16:creationId xmlns:a16="http://schemas.microsoft.com/office/drawing/2014/main" id="{2A60D4B2-2F37-8AE6-2F4B-63B97EF324D0}"/>
+                <a16:creationId xmlns:a16="http://schemas.microsoft.com/office/drawing/2014/main" id="{E78046B6-3EF3-B31C-0E10-988035A3A131}"/>
               </a:ext>
             </a:extLst>
           </p:cNvPr>
@@ -2100,7 +2100,7 @@
           <p:cNvPr id="4" name="灯片编号占位符 3">
             <a:extLst>
               <a:ext uri="{FF2B5EF4-FFF2-40B4-BE49-F238E27FC236}">
-                <a16:creationId xmlns:a16="http://schemas.microsoft.com/office/drawing/2014/main" id="{6DD2B17C-D10D-F635-54DD-210C5E35CDD8}"/>
+                <a16:creationId xmlns:a16="http://schemas.microsoft.com/office/drawing/2014/main" id="{DB03CCF3-5199-FC3F-2590-24F9CC3D717D}"/>
               </a:ext>
             </a:extLst>
           </p:cNvPr>
@@ -2116,7 +2116,7 @@
           <a:bodyPr/>
           <a:lstStyle/>
           <a:p>
-            <a:fld id="{A4AFB7F2-FFF4-463B-99CE-DF312FA1BE9D}" type="slidenum">
+            <a:fld id="{6F6CFA12-4023-4A2A-A938-05E57919F4E9}" type="slidenum">
               <a:rPr lang="zh-CN" altLang="en-US" smtClean="0"/>
               <a:t>‹#›</a:t>
             </a:fld>
@@ -2127,7 +2127,7 @@
     </p:spTree>
     <p:extLst>
       <p:ext uri="{BB962C8B-B14F-4D97-AF65-F5344CB8AC3E}">
-        <p14:creationId xmlns:p14="http://schemas.microsoft.com/office/powerpoint/2010/main" val="630305547"/>
+        <p14:creationId xmlns:p14="http://schemas.microsoft.com/office/powerpoint/2010/main" val="741797333"/>
       </p:ext>
     </p:extLst>
   </p:cSld>
@@ -2159,7 +2159,7 @@
           <p:cNvPr id="2" name="标题 1">
             <a:extLst>
               <a:ext uri="{FF2B5EF4-FFF2-40B4-BE49-F238E27FC236}">
-                <a16:creationId xmlns:a16="http://schemas.microsoft.com/office/drawing/2014/main" id="{41A3FEA1-BAC7-0E8B-AB23-01FE4B5325FB}"/>
+                <a16:creationId xmlns:a16="http://schemas.microsoft.com/office/drawing/2014/main" id="{3748652A-CB94-0D38-3503-E711664B33E0}"/>
               </a:ext>
             </a:extLst>
           </p:cNvPr>
@@ -2196,7 +2196,7 @@
           <p:cNvPr id="3" name="内容占位符 2">
             <a:extLst>
               <a:ext uri="{FF2B5EF4-FFF2-40B4-BE49-F238E27FC236}">
-                <a16:creationId xmlns:a16="http://schemas.microsoft.com/office/drawing/2014/main" id="{188CBA63-4701-3ABA-0647-634AE3997496}"/>
+                <a16:creationId xmlns:a16="http://schemas.microsoft.com/office/drawing/2014/main" id="{8100C971-D990-A70C-8114-BEAA042F9875}"/>
               </a:ext>
             </a:extLst>
           </p:cNvPr>
@@ -2286,7 +2286,7 @@
           <p:cNvPr id="4" name="文本占位符 3">
             <a:extLst>
               <a:ext uri="{FF2B5EF4-FFF2-40B4-BE49-F238E27FC236}">
-                <a16:creationId xmlns:a16="http://schemas.microsoft.com/office/drawing/2014/main" id="{227C2ED8-E09C-280E-8ACA-59E80163474E}"/>
+                <a16:creationId xmlns:a16="http://schemas.microsoft.com/office/drawing/2014/main" id="{41953075-8C65-0312-9084-C5ED7F43548D}"/>
               </a:ext>
             </a:extLst>
           </p:cNvPr>
@@ -2357,7 +2357,7 @@
           <p:cNvPr id="5" name="日期占位符 4">
             <a:extLst>
               <a:ext uri="{FF2B5EF4-FFF2-40B4-BE49-F238E27FC236}">
-                <a16:creationId xmlns:a16="http://schemas.microsoft.com/office/drawing/2014/main" id="{AD45AFA6-EECC-45D2-EFF5-F2D2F8EA70D2}"/>
+                <a16:creationId xmlns:a16="http://schemas.microsoft.com/office/drawing/2014/main" id="{A935AED9-A17A-FD8B-26D6-4D4D2702D992}"/>
               </a:ext>
             </a:extLst>
           </p:cNvPr>
@@ -2373,7 +2373,7 @@
           <a:bodyPr/>
           <a:lstStyle/>
           <a:p>
-            <a:fld id="{8A5E93B6-00C6-48F5-9167-DDB0A1857338}" type="datetimeFigureOut">
+            <a:fld id="{7661DD6B-D920-4743-96B7-AF6DD554B10A}" type="datetimeFigureOut">
               <a:rPr lang="zh-CN" altLang="en-US" smtClean="0"/>
               <a:t>2024/3/10</a:t>
             </a:fld>
@@ -2386,7 +2386,7 @@
           <p:cNvPr id="6" name="页脚占位符 5">
             <a:extLst>
               <a:ext uri="{FF2B5EF4-FFF2-40B4-BE49-F238E27FC236}">
-                <a16:creationId xmlns:a16="http://schemas.microsoft.com/office/drawing/2014/main" id="{ED84EDCC-F031-A816-60BF-22D8C647229A}"/>
+                <a16:creationId xmlns:a16="http://schemas.microsoft.com/office/drawing/2014/main" id="{374ABCDF-7186-9AC3-E32C-BDE44EB9312A}"/>
               </a:ext>
             </a:extLst>
           </p:cNvPr>
@@ -2411,7 +2411,7 @@
           <p:cNvPr id="7" name="灯片编号占位符 6">
             <a:extLst>
               <a:ext uri="{FF2B5EF4-FFF2-40B4-BE49-F238E27FC236}">
-                <a16:creationId xmlns:a16="http://schemas.microsoft.com/office/drawing/2014/main" id="{2CC47B06-C21A-2F87-390D-8C8F57911B84}"/>
+                <a16:creationId xmlns:a16="http://schemas.microsoft.com/office/drawing/2014/main" id="{FC8951CD-34C6-B7F2-40F4-36398EC5A7B4}"/>
               </a:ext>
             </a:extLst>
           </p:cNvPr>
@@ -2427,7 +2427,7 @@
           <a:bodyPr/>
           <a:lstStyle/>
           <a:p>
-            <a:fld id="{A4AFB7F2-FFF4-463B-99CE-DF312FA1BE9D}" type="slidenum">
+            <a:fld id="{6F6CFA12-4023-4A2A-A938-05E57919F4E9}" type="slidenum">
               <a:rPr lang="zh-CN" altLang="en-US" smtClean="0"/>
               <a:t>‹#›</a:t>
             </a:fld>
@@ -2438,7 +2438,7 @@
     </p:spTree>
     <p:extLst>
       <p:ext uri="{BB962C8B-B14F-4D97-AF65-F5344CB8AC3E}">
-        <p14:creationId xmlns:p14="http://schemas.microsoft.com/office/powerpoint/2010/main" val="494816522"/>
+        <p14:creationId xmlns:p14="http://schemas.microsoft.com/office/powerpoint/2010/main" val="3793581985"/>
       </p:ext>
     </p:extLst>
   </p:cSld>
@@ -2470,7 +2470,7 @@
           <p:cNvPr id="2" name="标题 1">
             <a:extLst>
               <a:ext uri="{FF2B5EF4-FFF2-40B4-BE49-F238E27FC236}">
-                <a16:creationId xmlns:a16="http://schemas.microsoft.com/office/drawing/2014/main" id="{28D8CDBF-0BDA-9DB0-1854-0EC3963088A7}"/>
+                <a16:creationId xmlns:a16="http://schemas.microsoft.com/office/drawing/2014/main" id="{C0D9B9C3-EE69-2F7B-8DB1-433B1A557FC1}"/>
               </a:ext>
             </a:extLst>
           </p:cNvPr>
@@ -2507,7 +2507,7 @@
           <p:cNvPr id="3" name="图片占位符 2">
             <a:extLst>
               <a:ext uri="{FF2B5EF4-FFF2-40B4-BE49-F238E27FC236}">
-                <a16:creationId xmlns:a16="http://schemas.microsoft.com/office/drawing/2014/main" id="{9145C610-490F-D2D7-3BE6-51DDA60D428B}"/>
+                <a16:creationId xmlns:a16="http://schemas.microsoft.com/office/drawing/2014/main" id="{E98F6850-0B9B-C68F-C276-02B9CC952AC5}"/>
               </a:ext>
             </a:extLst>
           </p:cNvPr>
@@ -2574,7 +2574,7 @@
           <p:cNvPr id="4" name="文本占位符 3">
             <a:extLst>
               <a:ext uri="{FF2B5EF4-FFF2-40B4-BE49-F238E27FC236}">
-                <a16:creationId xmlns:a16="http://schemas.microsoft.com/office/drawing/2014/main" id="{8B26CA1C-1834-A690-049A-55626889AEF4}"/>
+                <a16:creationId xmlns:a16="http://schemas.microsoft.com/office/drawing/2014/main" id="{30F1A0CE-D484-C33F-5ED2-EB6BCB17919A}"/>
               </a:ext>
             </a:extLst>
           </p:cNvPr>
@@ -2645,7 +2645,7 @@
           <p:cNvPr id="5" name="日期占位符 4">
             <a:extLst>
               <a:ext uri="{FF2B5EF4-FFF2-40B4-BE49-F238E27FC236}">
-                <a16:creationId xmlns:a16="http://schemas.microsoft.com/office/drawing/2014/main" id="{771F359B-9B62-336B-4F4A-7618D3D2E961}"/>
+                <a16:creationId xmlns:a16="http://schemas.microsoft.com/office/drawing/2014/main" id="{53AF1B8A-7409-E9AA-F21F-1E1E3599958F}"/>
               </a:ext>
             </a:extLst>
           </p:cNvPr>
@@ -2661,7 +2661,7 @@
           <a:bodyPr/>
           <a:lstStyle/>
           <a:p>
-            <a:fld id="{8A5E93B6-00C6-48F5-9167-DDB0A1857338}" type="datetimeFigureOut">
+            <a:fld id="{7661DD6B-D920-4743-96B7-AF6DD554B10A}" type="datetimeFigureOut">
               <a:rPr lang="zh-CN" altLang="en-US" smtClean="0"/>
               <a:t>2024/3/10</a:t>
             </a:fld>
@@ -2674,7 +2674,7 @@
           <p:cNvPr id="6" name="页脚占位符 5">
             <a:extLst>
               <a:ext uri="{FF2B5EF4-FFF2-40B4-BE49-F238E27FC236}">
-                <a16:creationId xmlns:a16="http://schemas.microsoft.com/office/drawing/2014/main" id="{42C0168B-7442-BD15-75A0-C556ABF053E0}"/>
+                <a16:creationId xmlns:a16="http://schemas.microsoft.com/office/drawing/2014/main" id="{56854CEE-1D83-DA23-59E0-339046DE19C5}"/>
               </a:ext>
             </a:extLst>
           </p:cNvPr>
@@ -2699,7 +2699,7 @@
           <p:cNvPr id="7" name="灯片编号占位符 6">
             <a:extLst>
               <a:ext uri="{FF2B5EF4-FFF2-40B4-BE49-F238E27FC236}">
-                <a16:creationId xmlns:a16="http://schemas.microsoft.com/office/drawing/2014/main" id="{C5A27023-E623-7D32-6D83-5CE71E69F8CC}"/>
+                <a16:creationId xmlns:a16="http://schemas.microsoft.com/office/drawing/2014/main" id="{0395A4C4-5C69-8A75-D13E-2CB043847A8A}"/>
               </a:ext>
             </a:extLst>
           </p:cNvPr>
@@ -2715,7 +2715,7 @@
           <a:bodyPr/>
           <a:lstStyle/>
           <a:p>
-            <a:fld id="{A4AFB7F2-FFF4-463B-99CE-DF312FA1BE9D}" type="slidenum">
+            <a:fld id="{6F6CFA12-4023-4A2A-A938-05E57919F4E9}" type="slidenum">
               <a:rPr lang="zh-CN" altLang="en-US" smtClean="0"/>
               <a:t>‹#›</a:t>
             </a:fld>
@@ -2726,7 +2726,7 @@
     </p:spTree>
     <p:extLst>
       <p:ext uri="{BB962C8B-B14F-4D97-AF65-F5344CB8AC3E}">
-        <p14:creationId xmlns:p14="http://schemas.microsoft.com/office/powerpoint/2010/main" val="3539454891"/>
+        <p14:creationId xmlns:p14="http://schemas.microsoft.com/office/powerpoint/2010/main" val="2576875836"/>
       </p:ext>
     </p:extLst>
   </p:cSld>
@@ -2763,7 +2763,7 @@
           <p:cNvPr id="2" name="标题占位符 1">
             <a:extLst>
               <a:ext uri="{FF2B5EF4-FFF2-40B4-BE49-F238E27FC236}">
-                <a16:creationId xmlns:a16="http://schemas.microsoft.com/office/drawing/2014/main" id="{A9DF4AA0-9329-4FCC-75C3-7AD44CC8DDEA}"/>
+                <a16:creationId xmlns:a16="http://schemas.microsoft.com/office/drawing/2014/main" id="{00374AF0-97A0-068B-EF2A-FFDACF3D5BC3}"/>
               </a:ext>
             </a:extLst>
           </p:cNvPr>
@@ -2801,7 +2801,7 @@
           <p:cNvPr id="3" name="文本占位符 2">
             <a:extLst>
               <a:ext uri="{FF2B5EF4-FFF2-40B4-BE49-F238E27FC236}">
-                <a16:creationId xmlns:a16="http://schemas.microsoft.com/office/drawing/2014/main" id="{9E8B5125-2B3E-57B1-A6F9-B46F77581B5A}"/>
+                <a16:creationId xmlns:a16="http://schemas.microsoft.com/office/drawing/2014/main" id="{56A8A97F-D8B8-EF63-1678-190A92424D80}"/>
               </a:ext>
             </a:extLst>
           </p:cNvPr>
@@ -2868,7 +2868,7 @@
           <p:cNvPr id="4" name="日期占位符 3">
             <a:extLst>
               <a:ext uri="{FF2B5EF4-FFF2-40B4-BE49-F238E27FC236}">
-                <a16:creationId xmlns:a16="http://schemas.microsoft.com/office/drawing/2014/main" id="{10F2D22D-B420-F04B-7E0B-F818F6CE0AA9}"/>
+                <a16:creationId xmlns:a16="http://schemas.microsoft.com/office/drawing/2014/main" id="{B01C23FD-C539-AB22-F31B-48CEC2CEB822}"/>
               </a:ext>
             </a:extLst>
           </p:cNvPr>
@@ -2902,7 +2902,7 @@
             </a:lvl1pPr>
           </a:lstStyle>
           <a:p>
-            <a:fld id="{8A5E93B6-00C6-48F5-9167-DDB0A1857338}" type="datetimeFigureOut">
+            <a:fld id="{7661DD6B-D920-4743-96B7-AF6DD554B10A}" type="datetimeFigureOut">
               <a:rPr lang="zh-CN" altLang="en-US" smtClean="0"/>
               <a:t>2024/3/10</a:t>
             </a:fld>
@@ -2915,7 +2915,7 @@
           <p:cNvPr id="5" name="页脚占位符 4">
             <a:extLst>
               <a:ext uri="{FF2B5EF4-FFF2-40B4-BE49-F238E27FC236}">
-                <a16:creationId xmlns:a16="http://schemas.microsoft.com/office/drawing/2014/main" id="{0227D1A8-8F3F-684E-A54E-5E27C3D7F2FF}"/>
+                <a16:creationId xmlns:a16="http://schemas.microsoft.com/office/drawing/2014/main" id="{C5A4644A-99E9-6991-12D7-60E0567762F0}"/>
               </a:ext>
             </a:extLst>
           </p:cNvPr>
@@ -2958,7 +2958,7 @@
           <p:cNvPr id="6" name="灯片编号占位符 5">
             <a:extLst>
               <a:ext uri="{FF2B5EF4-FFF2-40B4-BE49-F238E27FC236}">
-                <a16:creationId xmlns:a16="http://schemas.microsoft.com/office/drawing/2014/main" id="{0356A57D-5ADF-000F-BD5C-7EA3B6967763}"/>
+                <a16:creationId xmlns:a16="http://schemas.microsoft.com/office/drawing/2014/main" id="{338DF707-07A4-B5AE-BEE1-3A8D8B5204B5}"/>
               </a:ext>
             </a:extLst>
           </p:cNvPr>
@@ -2992,7 +2992,7 @@
             </a:lvl1pPr>
           </a:lstStyle>
           <a:p>
-            <a:fld id="{A4AFB7F2-FFF4-463B-99CE-DF312FA1BE9D}" type="slidenum">
+            <a:fld id="{6F6CFA12-4023-4A2A-A938-05E57919F4E9}" type="slidenum">
               <a:rPr lang="zh-CN" altLang="en-US" smtClean="0"/>
               <a:t>‹#›</a:t>
             </a:fld>
@@ -3003,7 +3003,7 @@
     </p:spTree>
     <p:extLst>
       <p:ext uri="{BB962C8B-B14F-4D97-AF65-F5344CB8AC3E}">
-        <p14:creationId xmlns:p14="http://schemas.microsoft.com/office/powerpoint/2010/main" val="2446202430"/>
+        <p14:creationId xmlns:p14="http://schemas.microsoft.com/office/powerpoint/2010/main" val="1938908089"/>
       </p:ext>
     </p:extLst>
   </p:cSld>
@@ -3323,7 +3323,7 @@
       </p:grpSpPr>
       <p:pic>
         <p:nvPicPr>
-          <p:cNvPr id="181250" name="Picture 2" descr="176"/>
+          <p:cNvPr id="182274" name="Picture 2" descr="177"/>
           <p:cNvPicPr>
             <a:picLocks noChangeAspect="1" noChangeArrowheads="1"/>
           </p:cNvPicPr>
@@ -3375,11 +3375,158 @@
           </a:extLst>
         </p:spPr>
       </p:pic>
+      <p:pic>
+        <p:nvPicPr>
+          <p:cNvPr id="183299" name="Picture 3" descr="177-2"/>
+          <p:cNvPicPr>
+            <a:picLocks noChangeAspect="1" noChangeArrowheads="1"/>
+          </p:cNvPicPr>
+          <p:nvPr/>
+        </p:nvPicPr>
+        <p:blipFill>
+          <a:blip r:embed="rId3">
+            <a:extLst>
+              <a:ext uri="{28A0092B-C50C-407E-A947-70E740481C1C}">
+                <a14:useLocalDpi xmlns:a14="http://schemas.microsoft.com/office/drawing/2010/main" val="0"/>
+              </a:ext>
+            </a:extLst>
+          </a:blip>
+          <a:srcRect/>
+          <a:stretch>
+            <a:fillRect/>
+          </a:stretch>
+        </p:blipFill>
+        <p:spPr bwMode="auto">
+          <a:xfrm>
+            <a:off x="1524000" y="0"/>
+            <a:ext cx="9144000" cy="6858000"/>
+          </a:xfrm>
+          <a:prstGeom prst="rect">
+            <a:avLst/>
+          </a:prstGeom>
+          <a:noFill/>
+          <a:ln>
+            <a:noFill/>
+          </a:ln>
+          <a:effectLst/>
+          <a:extLst>
+            <a:ext uri="{909E8E84-426E-40DD-AFC4-6F175D3DCCD1}">
+              <a14:hiddenFill xmlns:a14="http://schemas.microsoft.com/office/drawing/2010/main">
+                <a:solidFill>
+                  <a:srgbClr val="FFFFFF"/>
+                </a:solidFill>
+              </a14:hiddenFill>
+            </a:ext>
+            <a:ext uri="{91240B29-F687-4F45-9708-019B960494DF}">
+              <a14:hiddenLine xmlns:a14="http://schemas.microsoft.com/office/drawing/2010/main" w="9525">
+                <a:solidFill>
+                  <a:srgbClr val="000000"/>
+                </a:solidFill>
+                <a:miter lim="800000"/>
+                <a:headEnd/>
+                <a:tailEnd/>
+              </a14:hiddenLine>
+            </a:ext>
+            <a:ext uri="{AF507438-7753-43E0-B8FC-AC1667EBCBE1}">
+              <a14:hiddenEffects xmlns:a14="http://schemas.microsoft.com/office/drawing/2010/main">
+                <a:effectLst>
+                  <a:outerShdw dist="35921" dir="2700000" algn="ctr" rotWithShape="0">
+                    <a:srgbClr val="808080"/>
+                  </a:outerShdw>
+                </a:effectLst>
+              </a14:hiddenEffects>
+            </a:ext>
+          </a:extLst>
+        </p:spPr>
+      </p:pic>
     </p:spTree>
   </p:cSld>
   <p:clrMapOvr>
     <a:masterClrMapping/>
   </p:clrMapOvr>
+  <p:timing>
+    <p:tnLst>
+      <p:par>
+        <p:cTn id="1" dur="indefinite" restart="never" nodeType="tmRoot">
+          <p:childTnLst>
+            <p:seq concurrent="1" nextAc="seek">
+              <p:cTn id="2" dur="indefinite" nodeType="mainSeq">
+                <p:childTnLst>
+                  <p:par>
+                    <p:cTn id="3" fill="hold" nodeType="clickPar">
+                      <p:stCondLst>
+                        <p:cond delay="indefinite"/>
+                      </p:stCondLst>
+                      <p:childTnLst>
+                        <p:par>
+                          <p:cTn id="4" fill="hold" nodeType="withGroup">
+                            <p:stCondLst>
+                              <p:cond delay="0"/>
+                            </p:stCondLst>
+                            <p:childTnLst>
+                              <p:par>
+                                <p:cTn id="5" presetID="10" presetClass="entr" presetSubtype="0" fill="hold" nodeType="clickEffect">
+                                  <p:stCondLst>
+                                    <p:cond delay="0"/>
+                                  </p:stCondLst>
+                                  <p:childTnLst>
+                                    <p:set>
+                                      <p:cBhvr>
+                                        <p:cTn id="6" dur="1" fill="hold">
+                                          <p:stCondLst>
+                                            <p:cond delay="0"/>
+                                          </p:stCondLst>
+                                        </p:cTn>
+                                        <p:tgtEl>
+                                          <p:spTgt spid="183299"/>
+                                        </p:tgtEl>
+                                        <p:attrNameLst>
+                                          <p:attrName>style.visibility</p:attrName>
+                                        </p:attrNameLst>
+                                      </p:cBhvr>
+                                      <p:to>
+                                        <p:strVal val="visible"/>
+                                      </p:to>
+                                    </p:set>
+                                    <p:animEffect transition="in" filter="fade">
+                                      <p:cBhvr>
+                                        <p:cTn id="7" dur="500"/>
+                                        <p:tgtEl>
+                                          <p:spTgt spid="183299"/>
+                                        </p:tgtEl>
+                                      </p:cBhvr>
+                                    </p:animEffect>
+                                  </p:childTnLst>
+                                </p:cTn>
+                              </p:par>
+                            </p:childTnLst>
+                          </p:cTn>
+                        </p:par>
+                      </p:childTnLst>
+                    </p:cTn>
+                  </p:par>
+                </p:childTnLst>
+              </p:cTn>
+              <p:prevCondLst>
+                <p:cond evt="onPrev" delay="0">
+                  <p:tgtEl>
+                    <p:sldTgt/>
+                  </p:tgtEl>
+                </p:cond>
+              </p:prevCondLst>
+              <p:nextCondLst>
+                <p:cond evt="onNext" delay="0">
+                  <p:tgtEl>
+                    <p:sldTgt/>
+                  </p:tgtEl>
+                </p:cond>
+              </p:nextCondLst>
+            </p:seq>
+          </p:childTnLst>
+        </p:cTn>
+      </p:par>
+    </p:tnLst>
+  </p:timing>
 </p:sld>
 </file>
 
